--- a/src/demo_test_results/PresentationWBullets_modified.pptx
+++ b/src/demo_test_results/PresentationWBullets_modified.pptx
@@ -3522,7 +3522,7 @@
             </a:r>
           </a:p>
           <a:p>
-            <a:pPr marL="114300" indent="-114300" algn="l">
+            <a:pPr marL="114300" indent="-114300">
               <a:buAutoNum type="arabicPeriod"/>
               <a:defRPr sz="1800"/>
             </a:pPr>
@@ -3531,7 +3531,7 @@
             </a:r>
           </a:p>
           <a:p>
-            <a:pPr marL="114300" indent="-114300" algn="l">
+            <a:pPr marL="114300" indent="-114300">
               <a:buChar char="•"/>
               <a:defRPr sz="1800"/>
             </a:pPr>
@@ -3540,7 +3540,7 @@
             </a:r>
           </a:p>
           <a:p>
-            <a:pPr lvl="1" marL="228600" indent="-114300" algn="l">
+            <a:pPr lvl="1" marL="228600" indent="-114300">
               <a:buChar char="•"/>
               <a:defRPr sz="1600"/>
             </a:pPr>
@@ -3549,7 +3549,7 @@
             </a:r>
           </a:p>
           <a:p>
-            <a:pPr lvl="2" marL="342900" indent="-114300" algn="l">
+            <a:pPr lvl="2" marL="342900" indent="-114300">
               <a:buChar char="•"/>
               <a:defRPr sz="1600"/>
             </a:pPr>
